--- a/Documentation/PytorchFI 세미나.pptx
+++ b/Documentation/PytorchFI 세미나.pptx
@@ -26,10 +26,11 @@
     <p:sldId id="277" r:id="rId23"/>
     <p:sldId id="267" r:id="rId24"/>
     <p:sldId id="271" r:id="rId25"/>
-    <p:sldId id="280" r:id="rId26"/>
-    <p:sldId id="278" r:id="rId27"/>
-    <p:sldId id="279" r:id="rId28"/>
-    <p:sldId id="281" r:id="rId29"/>
+    <p:sldId id="282" r:id="rId26"/>
+    <p:sldId id="280" r:id="rId27"/>
+    <p:sldId id="278" r:id="rId28"/>
+    <p:sldId id="279" r:id="rId29"/>
+    <p:sldId id="281" r:id="rId30"/>
   </p:sldIdLst>
   <p:sldSz cx="12192000" cy="6858000"/>
   <p:notesSz cx="6858000" cy="9144000"/>
@@ -3585,7 +3586,7 @@
           <a:p>
             <a:fld id="{36BF25A2-8317-4BD7-A662-AA131F727E0F}" type="datetimeFigureOut">
               <a:rPr lang="ko-KR" altLang="en-US" smtClean="0"/>
-              <a:t>2022-09-12</a:t>
+              <a:t>2023-01-07</a:t>
             </a:fld>
             <a:endParaRPr lang="ko-KR" altLang="en-US"/>
           </a:p>
@@ -3783,7 +3784,7 @@
           <a:p>
             <a:fld id="{36BF25A2-8317-4BD7-A662-AA131F727E0F}" type="datetimeFigureOut">
               <a:rPr lang="ko-KR" altLang="en-US" smtClean="0"/>
-              <a:t>2022-09-12</a:t>
+              <a:t>2023-01-07</a:t>
             </a:fld>
             <a:endParaRPr lang="ko-KR" altLang="en-US"/>
           </a:p>
@@ -3991,7 +3992,7 @@
           <a:p>
             <a:fld id="{36BF25A2-8317-4BD7-A662-AA131F727E0F}" type="datetimeFigureOut">
               <a:rPr lang="ko-KR" altLang="en-US" smtClean="0"/>
-              <a:t>2022-09-12</a:t>
+              <a:t>2023-01-07</a:t>
             </a:fld>
             <a:endParaRPr lang="ko-KR" altLang="en-US"/>
           </a:p>
@@ -4189,7 +4190,7 @@
           <a:p>
             <a:fld id="{36BF25A2-8317-4BD7-A662-AA131F727E0F}" type="datetimeFigureOut">
               <a:rPr lang="ko-KR" altLang="en-US" smtClean="0"/>
-              <a:t>2022-09-12</a:t>
+              <a:t>2023-01-07</a:t>
             </a:fld>
             <a:endParaRPr lang="ko-KR" altLang="en-US"/>
           </a:p>
@@ -4464,7 +4465,7 @@
           <a:p>
             <a:fld id="{36BF25A2-8317-4BD7-A662-AA131F727E0F}" type="datetimeFigureOut">
               <a:rPr lang="ko-KR" altLang="en-US" smtClean="0"/>
-              <a:t>2022-09-12</a:t>
+              <a:t>2023-01-07</a:t>
             </a:fld>
             <a:endParaRPr lang="ko-KR" altLang="en-US"/>
           </a:p>
@@ -4729,7 +4730,7 @@
           <a:p>
             <a:fld id="{36BF25A2-8317-4BD7-A662-AA131F727E0F}" type="datetimeFigureOut">
               <a:rPr lang="ko-KR" altLang="en-US" smtClean="0"/>
-              <a:t>2022-09-12</a:t>
+              <a:t>2023-01-07</a:t>
             </a:fld>
             <a:endParaRPr lang="ko-KR" altLang="en-US"/>
           </a:p>
@@ -5141,7 +5142,7 @@
           <a:p>
             <a:fld id="{36BF25A2-8317-4BD7-A662-AA131F727E0F}" type="datetimeFigureOut">
               <a:rPr lang="ko-KR" altLang="en-US" smtClean="0"/>
-              <a:t>2022-09-12</a:t>
+              <a:t>2023-01-07</a:t>
             </a:fld>
             <a:endParaRPr lang="ko-KR" altLang="en-US"/>
           </a:p>
@@ -5282,7 +5283,7 @@
           <a:p>
             <a:fld id="{36BF25A2-8317-4BD7-A662-AA131F727E0F}" type="datetimeFigureOut">
               <a:rPr lang="ko-KR" altLang="en-US" smtClean="0"/>
-              <a:t>2022-09-12</a:t>
+              <a:t>2023-01-07</a:t>
             </a:fld>
             <a:endParaRPr lang="ko-KR" altLang="en-US"/>
           </a:p>
@@ -5395,7 +5396,7 @@
           <a:p>
             <a:fld id="{36BF25A2-8317-4BD7-A662-AA131F727E0F}" type="datetimeFigureOut">
               <a:rPr lang="ko-KR" altLang="en-US" smtClean="0"/>
-              <a:t>2022-09-12</a:t>
+              <a:t>2023-01-07</a:t>
             </a:fld>
             <a:endParaRPr lang="ko-KR" altLang="en-US"/>
           </a:p>
@@ -5706,7 +5707,7 @@
           <a:p>
             <a:fld id="{36BF25A2-8317-4BD7-A662-AA131F727E0F}" type="datetimeFigureOut">
               <a:rPr lang="ko-KR" altLang="en-US" smtClean="0"/>
-              <a:t>2022-09-12</a:t>
+              <a:t>2023-01-07</a:t>
             </a:fld>
             <a:endParaRPr lang="ko-KR" altLang="en-US"/>
           </a:p>
@@ -5994,7 +5995,7 @@
           <a:p>
             <a:fld id="{36BF25A2-8317-4BD7-A662-AA131F727E0F}" type="datetimeFigureOut">
               <a:rPr lang="ko-KR" altLang="en-US" smtClean="0"/>
-              <a:t>2022-09-12</a:t>
+              <a:t>2023-01-07</a:t>
             </a:fld>
             <a:endParaRPr lang="ko-KR" altLang="en-US"/>
           </a:p>
@@ -6235,7 +6236,7 @@
           <a:p>
             <a:fld id="{36BF25A2-8317-4BD7-A662-AA131F727E0F}" type="datetimeFigureOut">
               <a:rPr lang="ko-KR" altLang="en-US" smtClean="0"/>
-              <a:t>2022-09-12</a:t>
+              <a:t>2023-01-07</a:t>
             </a:fld>
             <a:endParaRPr lang="ko-KR" altLang="en-US"/>
           </a:p>
@@ -12441,6 +12442,578 @@
           <p:cNvPr id="2" name="제목 1">
             <a:extLst>
               <a:ext uri="{FF2B5EF4-FFF2-40B4-BE49-F238E27FC236}">
+                <a16:creationId xmlns:a16="http://schemas.microsoft.com/office/drawing/2014/main" id="{6018EFEF-093C-D1C9-943B-B0D83BF058F6}"/>
+              </a:ext>
+            </a:extLst>
+          </p:cNvPr>
+          <p:cNvSpPr>
+            <a:spLocks noGrp="1"/>
+          </p:cNvSpPr>
+          <p:nvPr>
+            <p:ph type="title"/>
+          </p:nvPr>
+        </p:nvSpPr>
+        <p:spPr/>
+        <p:txBody>
+          <a:bodyPr/>
+          <a:lstStyle/>
+          <a:p>
+            <a:r>
+              <a:rPr lang="ko-KR" altLang="en-US" dirty="0"/>
+              <a:t>커스텀 </a:t>
+            </a:r>
+            <a:r>
+              <a:rPr lang="en-US" altLang="ko-KR" dirty="0"/>
+              <a:t>injection </a:t>
+            </a:r>
+            <a:r>
+              <a:rPr lang="ko-KR" altLang="en-US" dirty="0"/>
+              <a:t>정의</a:t>
+            </a:r>
+          </a:p>
+        </p:txBody>
+      </p:sp>
+      <p:sp>
+        <p:nvSpPr>
+          <p:cNvPr id="3" name="내용 개체 틀 2">
+            <a:extLst>
+              <a:ext uri="{FF2B5EF4-FFF2-40B4-BE49-F238E27FC236}">
+                <a16:creationId xmlns:a16="http://schemas.microsoft.com/office/drawing/2014/main" id="{AD4B3E6B-9FFD-0469-A537-A135F33F6D56}"/>
+              </a:ext>
+            </a:extLst>
+          </p:cNvPr>
+          <p:cNvSpPr>
+            <a:spLocks noGrp="1"/>
+          </p:cNvSpPr>
+          <p:nvPr>
+            <p:ph idx="1"/>
+          </p:nvPr>
+        </p:nvSpPr>
+        <p:spPr/>
+        <p:txBody>
+          <a:bodyPr>
+            <a:normAutofit fontScale="85000" lnSpcReduction="20000"/>
+          </a:bodyPr>
+          <a:lstStyle/>
+          <a:p>
+            <a:r>
+              <a:rPr lang="en-US" altLang="ko-KR" dirty="0"/>
+              <a:t>Neuron</a:t>
+            </a:r>
+            <a:r>
+              <a:rPr lang="ko-KR" altLang="en-US" dirty="0"/>
+              <a:t> </a:t>
+            </a:r>
+            <a:r>
+              <a:rPr lang="en-US" altLang="ko-KR" dirty="0"/>
+              <a:t>Perturbation</a:t>
+            </a:r>
+            <a:r>
+              <a:rPr lang="ko-KR" altLang="en-US" dirty="0"/>
+              <a:t>의 경우</a:t>
+            </a:r>
+            <a:r>
+              <a:rPr lang="en-US" altLang="ko-KR" dirty="0"/>
+              <a:t>:</a:t>
+            </a:r>
+          </a:p>
+          <a:p>
+            <a:pPr lvl="1"/>
+            <a:r>
+              <a:rPr lang="en-US" altLang="ko-KR" dirty="0" err="1"/>
+              <a:t>declare_neuron_fi</a:t>
+            </a:r>
+            <a:r>
+              <a:rPr lang="ko-KR" altLang="en-US" dirty="0"/>
+              <a:t>는 실제로 학습</a:t>
+            </a:r>
+            <a:r>
+              <a:rPr lang="en-US" altLang="ko-KR" dirty="0"/>
+              <a:t>/</a:t>
+            </a:r>
+            <a:r>
+              <a:rPr lang="ko-KR" altLang="en-US" dirty="0"/>
+              <a:t>추론을 할 때 </a:t>
+            </a:r>
+            <a:r>
+              <a:rPr lang="en-US" altLang="ko-KR" dirty="0"/>
+              <a:t>Hooking</a:t>
+            </a:r>
+            <a:r>
+              <a:rPr lang="ko-KR" altLang="en-US" dirty="0"/>
+              <a:t>을 하도록 설정</a:t>
+            </a:r>
+            <a:endParaRPr lang="en-US" altLang="ko-KR" dirty="0"/>
+          </a:p>
+          <a:p>
+            <a:pPr lvl="1"/>
+            <a:r>
+              <a:rPr lang="en-US" altLang="ko-KR" dirty="0"/>
+              <a:t>Layer</a:t>
+            </a:r>
+            <a:r>
+              <a:rPr lang="ko-KR" altLang="en-US" dirty="0"/>
+              <a:t> 내부 데이터 연산 시에 </a:t>
+            </a:r>
+            <a:r>
+              <a:rPr lang="en-US" altLang="ko-KR" dirty="0"/>
+              <a:t>custom function</a:t>
+            </a:r>
+            <a:r>
+              <a:rPr lang="ko-KR" altLang="en-US" dirty="0"/>
+              <a:t>이 작동</a:t>
+            </a:r>
+            <a:endParaRPr lang="en-US" altLang="ko-KR" dirty="0"/>
+          </a:p>
+          <a:p>
+            <a:pPr lvl="1"/>
+            <a:r>
+              <a:rPr lang="ko-KR" altLang="en-US" dirty="0"/>
+              <a:t>예</a:t>
+            </a:r>
+            <a:r>
+              <a:rPr lang="en-US" altLang="ko-KR" dirty="0"/>
+              <a:t>: fault injection </a:t>
+            </a:r>
+            <a:r>
+              <a:rPr lang="ko-KR" altLang="en-US" dirty="0"/>
+              <a:t>모델 내에 </a:t>
+            </a:r>
+            <a:r>
+              <a:rPr lang="en-US" altLang="ko-KR" dirty="0"/>
+              <a:t>custom function </a:t>
+            </a:r>
+            <a:r>
+              <a:rPr lang="ko-KR" altLang="en-US" dirty="0"/>
+              <a:t>멤버 함수 작성시</a:t>
+            </a:r>
+            <a:r>
+              <a:rPr lang="en-US" altLang="ko-KR" dirty="0"/>
+              <a:t>…</a:t>
+            </a:r>
+          </a:p>
+          <a:p>
+            <a:pPr marL="457200" lvl="1" indent="0">
+              <a:buNone/>
+            </a:pPr>
+            <a:r>
+              <a:rPr lang="en-US" altLang="ko-KR" dirty="0">
+                <a:highlight>
+                  <a:srgbClr val="FFFF00"/>
+                </a:highlight>
+              </a:rPr>
+              <a:t>def </a:t>
+            </a:r>
+            <a:r>
+              <a:rPr lang="en-US" altLang="ko-KR" dirty="0" err="1">
+                <a:highlight>
+                  <a:srgbClr val="FFFF00"/>
+                </a:highlight>
+              </a:rPr>
+              <a:t>custom_function_neuron</a:t>
+            </a:r>
+            <a:r>
+              <a:rPr lang="en-US" altLang="ko-KR" dirty="0">
+                <a:highlight>
+                  <a:srgbClr val="FFFF00"/>
+                </a:highlight>
+              </a:rPr>
+              <a:t>(self, module, </a:t>
+            </a:r>
+            <a:r>
+              <a:rPr lang="en-US" altLang="ko-KR" dirty="0" err="1">
+                <a:highlight>
+                  <a:srgbClr val="FFFF00"/>
+                </a:highlight>
+              </a:rPr>
+              <a:t>input_val</a:t>
+            </a:r>
+            <a:r>
+              <a:rPr lang="en-US" altLang="ko-KR" dirty="0">
+                <a:highlight>
+                  <a:srgbClr val="FFFF00"/>
+                </a:highlight>
+              </a:rPr>
+              <a:t>, </a:t>
+            </a:r>
+            <a:r>
+              <a:rPr lang="en-US" altLang="ko-KR" dirty="0" err="1">
+                <a:highlight>
+                  <a:srgbClr val="FFFF00"/>
+                </a:highlight>
+              </a:rPr>
+              <a:t>output_val</a:t>
+            </a:r>
+            <a:r>
+              <a:rPr lang="en-US" altLang="ko-KR" dirty="0">
+                <a:highlight>
+                  <a:srgbClr val="FFFF00"/>
+                </a:highlight>
+              </a:rPr>
+              <a:t>):</a:t>
+            </a:r>
+          </a:p>
+          <a:p>
+            <a:pPr marL="457200" lvl="1" indent="0">
+              <a:buNone/>
+            </a:pPr>
+            <a:r>
+              <a:rPr lang="en-US" altLang="ko-KR" dirty="0">
+                <a:highlight>
+                  <a:srgbClr val="FFFF00"/>
+                </a:highlight>
+              </a:rPr>
+              <a:t>	// </a:t>
+            </a:r>
+            <a:r>
+              <a:rPr lang="en-US" altLang="ko-KR" dirty="0" err="1">
+                <a:highlight>
+                  <a:srgbClr val="FFFF00"/>
+                </a:highlight>
+              </a:rPr>
+              <a:t>output_val</a:t>
+            </a:r>
+            <a:r>
+              <a:rPr lang="ko-KR" altLang="en-US" dirty="0">
+                <a:highlight>
+                  <a:srgbClr val="FFFF00"/>
+                </a:highlight>
+              </a:rPr>
+              <a:t> </a:t>
+            </a:r>
+            <a:r>
+              <a:rPr lang="en-US" altLang="ko-KR" dirty="0">
+                <a:highlight>
+                  <a:srgbClr val="FFFF00"/>
+                </a:highlight>
+              </a:rPr>
+              <a:t>Tensor </a:t>
+            </a:r>
+            <a:r>
+              <a:rPr lang="ko-KR" altLang="en-US" dirty="0">
+                <a:highlight>
+                  <a:srgbClr val="FFFF00"/>
+                </a:highlight>
+              </a:rPr>
+              <a:t>데이터를 조작</a:t>
+            </a:r>
+            <a:endParaRPr lang="en-US" altLang="ko-KR" dirty="0">
+              <a:highlight>
+                <a:srgbClr val="FFFF00"/>
+              </a:highlight>
+            </a:endParaRPr>
+          </a:p>
+          <a:p>
+            <a:pPr marL="457200" lvl="1" indent="0">
+              <a:buNone/>
+            </a:pPr>
+            <a:r>
+              <a:rPr lang="en-US" altLang="ko-KR" dirty="0">
+                <a:highlight>
+                  <a:srgbClr val="FFFF00"/>
+                </a:highlight>
+              </a:rPr>
+              <a:t>	return // return</a:t>
+            </a:r>
+            <a:r>
+              <a:rPr lang="ko-KR" altLang="en-US" dirty="0">
+                <a:highlight>
+                  <a:srgbClr val="FFFF00"/>
+                </a:highlight>
+              </a:rPr>
+              <a:t>은 </a:t>
+            </a:r>
+            <a:r>
+              <a:rPr lang="en-US" altLang="ko-KR" dirty="0">
+                <a:highlight>
+                  <a:srgbClr val="FFFF00"/>
+                </a:highlight>
+              </a:rPr>
+              <a:t>hooking </a:t>
+            </a:r>
+            <a:r>
+              <a:rPr lang="ko-KR" altLang="en-US" dirty="0">
+                <a:highlight>
+                  <a:srgbClr val="FFFF00"/>
+                </a:highlight>
+              </a:rPr>
+              <a:t>함수 특성상 불필요하나</a:t>
+            </a:r>
+            <a:r>
+              <a:rPr lang="en-US" altLang="ko-KR" dirty="0">
+                <a:highlight>
+                  <a:srgbClr val="FFFF00"/>
+                </a:highlight>
+              </a:rPr>
+              <a:t>, </a:t>
+            </a:r>
+            <a:r>
+              <a:rPr lang="ko-KR" altLang="en-US" dirty="0">
+                <a:highlight>
+                  <a:srgbClr val="FFFF00"/>
+                </a:highlight>
+              </a:rPr>
+              <a:t>편의상 표기</a:t>
+            </a:r>
+            <a:r>
+              <a:rPr lang="en-US" altLang="ko-KR" dirty="0">
+                <a:highlight>
+                  <a:srgbClr val="FFFF00"/>
+                </a:highlight>
+              </a:rPr>
+              <a:t> </a:t>
+            </a:r>
+          </a:p>
+          <a:p>
+            <a:r>
+              <a:rPr lang="en-US" altLang="ko-KR" dirty="0"/>
+              <a:t>Weight</a:t>
+            </a:r>
+            <a:r>
+              <a:rPr lang="ko-KR" altLang="en-US" dirty="0"/>
+              <a:t> </a:t>
+            </a:r>
+            <a:r>
+              <a:rPr lang="en-US" altLang="ko-KR" dirty="0"/>
+              <a:t>Perturbation</a:t>
+            </a:r>
+            <a:r>
+              <a:rPr lang="ko-KR" altLang="en-US" dirty="0"/>
+              <a:t>의 경우</a:t>
+            </a:r>
+            <a:r>
+              <a:rPr lang="en-US" altLang="ko-KR" dirty="0"/>
+              <a:t>:</a:t>
+            </a:r>
+          </a:p>
+          <a:p>
+            <a:pPr lvl="1"/>
+            <a:r>
+              <a:rPr lang="en-US" altLang="ko-KR" dirty="0" err="1"/>
+              <a:t>declare_weight_fi</a:t>
+            </a:r>
+            <a:r>
+              <a:rPr lang="ko-KR" altLang="en-US" dirty="0"/>
+              <a:t>에서 직접 </a:t>
+            </a:r>
+            <a:r>
+              <a:rPr lang="en-US" altLang="ko-KR" dirty="0"/>
+              <a:t>Weight</a:t>
+            </a:r>
+            <a:r>
+              <a:rPr lang="ko-KR" altLang="en-US" dirty="0"/>
+              <a:t>를 변경하는 함수를 호출</a:t>
+            </a:r>
+            <a:endParaRPr lang="en-US" altLang="ko-KR" dirty="0"/>
+          </a:p>
+          <a:p>
+            <a:pPr lvl="1"/>
+            <a:r>
+              <a:rPr lang="ko-KR" altLang="en-US" dirty="0"/>
+              <a:t>예</a:t>
+            </a:r>
+            <a:r>
+              <a:rPr lang="en-US" altLang="ko-KR" dirty="0"/>
+              <a:t>: fault injection </a:t>
+            </a:r>
+            <a:r>
+              <a:rPr lang="ko-KR" altLang="en-US" dirty="0"/>
+              <a:t>모델 내에 </a:t>
+            </a:r>
+            <a:r>
+              <a:rPr lang="en-US" altLang="ko-KR" dirty="0"/>
+              <a:t>custom function </a:t>
+            </a:r>
+            <a:r>
+              <a:rPr lang="ko-KR" altLang="en-US" dirty="0"/>
+              <a:t>멤버 함수 작성시</a:t>
+            </a:r>
+            <a:endParaRPr lang="en-US" altLang="ko-KR" dirty="0"/>
+          </a:p>
+          <a:p>
+            <a:pPr marL="457200" lvl="1" indent="0">
+              <a:buNone/>
+            </a:pPr>
+            <a:r>
+              <a:rPr lang="en-US" altLang="ko-KR" dirty="0">
+                <a:highlight>
+                  <a:srgbClr val="FFFF00"/>
+                </a:highlight>
+              </a:rPr>
+              <a:t>def </a:t>
+            </a:r>
+            <a:r>
+              <a:rPr lang="en-US" altLang="ko-KR" dirty="0" err="1">
+                <a:highlight>
+                  <a:srgbClr val="FFFF00"/>
+                </a:highlight>
+              </a:rPr>
+              <a:t>custom_function_weight</a:t>
+            </a:r>
+            <a:r>
+              <a:rPr lang="en-US" altLang="ko-KR" dirty="0">
+                <a:highlight>
+                  <a:srgbClr val="FFFF00"/>
+                </a:highlight>
+              </a:rPr>
+              <a:t>(self, data, position):</a:t>
+            </a:r>
+          </a:p>
+          <a:p>
+            <a:pPr marL="457200" lvl="1" indent="0">
+              <a:buNone/>
+            </a:pPr>
+            <a:r>
+              <a:rPr lang="en-US" altLang="ko-KR" dirty="0">
+                <a:highlight>
+                  <a:srgbClr val="FFFF00"/>
+                </a:highlight>
+              </a:rPr>
+              <a:t>	</a:t>
+            </a:r>
+            <a:r>
+              <a:rPr lang="en-US" altLang="ko-KR" dirty="0" err="1">
+                <a:highlight>
+                  <a:srgbClr val="FFFF00"/>
+                </a:highlight>
+              </a:rPr>
+              <a:t>new_data</a:t>
+            </a:r>
+            <a:r>
+              <a:rPr lang="en-US" altLang="ko-KR" dirty="0">
+                <a:highlight>
+                  <a:srgbClr val="FFFF00"/>
+                </a:highlight>
+              </a:rPr>
+              <a:t> = data[position] // position tuple</a:t>
+            </a:r>
+            <a:r>
+              <a:rPr lang="ko-KR" altLang="en-US" dirty="0">
+                <a:highlight>
+                  <a:srgbClr val="FFFF00"/>
+                </a:highlight>
+              </a:rPr>
+              <a:t>로 </a:t>
+            </a:r>
+            <a:r>
+              <a:rPr lang="en-US" altLang="ko-KR" dirty="0">
+                <a:highlight>
+                  <a:srgbClr val="FFFF00"/>
+                </a:highlight>
+              </a:rPr>
+              <a:t>data Tensor</a:t>
+            </a:r>
+            <a:r>
+              <a:rPr lang="ko-KR" altLang="en-US">
+                <a:highlight>
+                  <a:srgbClr val="FFFF00"/>
+                </a:highlight>
+              </a:rPr>
+              <a:t> 인덱싱</a:t>
+            </a:r>
+            <a:endParaRPr lang="en-US" altLang="ko-KR" dirty="0">
+              <a:highlight>
+                <a:srgbClr val="FFFF00"/>
+              </a:highlight>
+            </a:endParaRPr>
+          </a:p>
+          <a:p>
+            <a:pPr marL="457200" lvl="1" indent="0">
+              <a:buNone/>
+            </a:pPr>
+            <a:r>
+              <a:rPr lang="en-US" altLang="ko-KR" dirty="0">
+                <a:highlight>
+                  <a:srgbClr val="FFFF00"/>
+                </a:highlight>
+              </a:rPr>
+              <a:t>	// </a:t>
+            </a:r>
+            <a:r>
+              <a:rPr lang="en-US" altLang="ko-KR" dirty="0" err="1">
+                <a:highlight>
+                  <a:srgbClr val="FFFF00"/>
+                </a:highlight>
+              </a:rPr>
+              <a:t>new_data</a:t>
+            </a:r>
+            <a:r>
+              <a:rPr lang="ko-KR" altLang="en-US" dirty="0">
+                <a:highlight>
+                  <a:srgbClr val="FFFF00"/>
+                </a:highlight>
+              </a:rPr>
+              <a:t>를 변경한 다음 반환</a:t>
+            </a:r>
+            <a:endParaRPr lang="en-US" altLang="ko-KR" dirty="0">
+              <a:highlight>
+                <a:srgbClr val="FFFF00"/>
+              </a:highlight>
+            </a:endParaRPr>
+          </a:p>
+          <a:p>
+            <a:pPr marL="457200" lvl="1" indent="0">
+              <a:buNone/>
+            </a:pPr>
+            <a:r>
+              <a:rPr lang="en-US" altLang="ko-KR" dirty="0">
+                <a:highlight>
+                  <a:srgbClr val="FFFF00"/>
+                </a:highlight>
+              </a:rPr>
+              <a:t>	return </a:t>
+            </a:r>
+            <a:r>
+              <a:rPr lang="en-US" altLang="ko-KR" dirty="0" err="1">
+                <a:highlight>
+                  <a:srgbClr val="FFFF00"/>
+                </a:highlight>
+              </a:rPr>
+              <a:t>new_data</a:t>
+            </a:r>
+            <a:endParaRPr lang="en-US" altLang="ko-KR" dirty="0">
+              <a:highlight>
+                <a:srgbClr val="FFFF00"/>
+              </a:highlight>
+            </a:endParaRPr>
+          </a:p>
+        </p:txBody>
+      </p:sp>
+    </p:spTree>
+    <p:extLst>
+      <p:ext uri="{BB962C8B-B14F-4D97-AF65-F5344CB8AC3E}">
+        <p14:creationId xmlns:p14="http://schemas.microsoft.com/office/powerpoint/2010/main" val="3149893382"/>
+      </p:ext>
+    </p:extLst>
+  </p:cSld>
+  <p:clrMapOvr>
+    <a:masterClrMapping/>
+  </p:clrMapOvr>
+</p:sld>
+</file>
+
+<file path=ppt/slides/slide23.xml><?xml version="1.0" encoding="utf-8"?>
+<p:sld xmlns:a="http://schemas.openxmlformats.org/drawingml/2006/main" xmlns:r="http://schemas.openxmlformats.org/officeDocument/2006/relationships" xmlns:p="http://schemas.openxmlformats.org/presentationml/2006/main">
+  <p:cSld>
+    <p:spTree>
+      <p:nvGrpSpPr>
+        <p:cNvPr id="1" name=""/>
+        <p:cNvGrpSpPr/>
+        <p:nvPr/>
+      </p:nvGrpSpPr>
+      <p:grpSpPr>
+        <a:xfrm>
+          <a:off x="0" y="0"/>
+          <a:ext cx="0" cy="0"/>
+          <a:chOff x="0" y="0"/>
+          <a:chExt cx="0" cy="0"/>
+        </a:xfrm>
+      </p:grpSpPr>
+      <p:sp>
+        <p:nvSpPr>
+          <p:cNvPr id="2" name="제목 1">
+            <a:extLst>
+              <a:ext uri="{FF2B5EF4-FFF2-40B4-BE49-F238E27FC236}">
                 <a16:creationId xmlns:a16="http://schemas.microsoft.com/office/drawing/2014/main" id="{9ED39A45-5AA5-4EF5-76FB-F671855B0717}"/>
               </a:ext>
             </a:extLst>
@@ -12697,7 +13270,7 @@
 </p:sld>
 </file>
 
-<file path=ppt/slides/slide23.xml><?xml version="1.0" encoding="utf-8"?>
+<file path=ppt/slides/slide24.xml><?xml version="1.0" encoding="utf-8"?>
 <p:sld xmlns:a="http://schemas.openxmlformats.org/drawingml/2006/main" xmlns:r="http://schemas.openxmlformats.org/officeDocument/2006/relationships" xmlns:p="http://schemas.openxmlformats.org/presentationml/2006/main">
   <p:cSld>
     <p:spTree>
@@ -12950,7 +13523,7 @@
 </p:sld>
 </file>
 
-<file path=ppt/slides/slide24.xml><?xml version="1.0" encoding="utf-8"?>
+<file path=ppt/slides/slide25.xml><?xml version="1.0" encoding="utf-8"?>
 <p:sld xmlns:a="http://schemas.openxmlformats.org/drawingml/2006/main" xmlns:r="http://schemas.openxmlformats.org/officeDocument/2006/relationships" xmlns:p="http://schemas.openxmlformats.org/presentationml/2006/main">
   <p:cSld>
     <p:bg>
@@ -13619,7 +14192,7 @@
 </p:sld>
 </file>
 
-<file path=ppt/slides/slide25.xml><?xml version="1.0" encoding="utf-8"?>
+<file path=ppt/slides/slide26.xml><?xml version="1.0" encoding="utf-8"?>
 <p:sld xmlns:a="http://schemas.openxmlformats.org/drawingml/2006/main" xmlns:r="http://schemas.openxmlformats.org/officeDocument/2006/relationships" xmlns:p="http://schemas.openxmlformats.org/presentationml/2006/main">
   <p:cSld>
     <p:spTree>
@@ -16515,6 +17088,15 @@
 </file>
 
 <file path=customXml/item2.xml><?xml version="1.0" encoding="utf-8"?>
+<?mso-contentType ?>
+<FormTemplates xmlns="http://schemas.microsoft.com/sharepoint/v3/contenttype/forms">
+  <Display>DocumentLibraryForm</Display>
+  <Edit>DocumentLibraryForm</Edit>
+  <New>DocumentLibraryForm</New>
+</FormTemplates>
+</file>
+
+<file path=customXml/item3.xml><?xml version="1.0" encoding="utf-8"?>
 <ct:contentTypeSchema xmlns:ct="http://schemas.microsoft.com/office/2006/metadata/contentType" xmlns:ma="http://schemas.microsoft.com/office/2006/metadata/properties/metaAttributes" ct:_="" ma:_="" ma:contentTypeName="문서" ma:contentTypeID="0x010100D323C5FBDCDC4C4D8C23405CDE2D60FE" ma:contentTypeVersion="2" ma:contentTypeDescription="새 문서를 만듭니다." ma:contentTypeScope="" ma:versionID="c954e93d3cace93991a9bf0738a013fc">
   <xsd:schema xmlns:xsd="http://www.w3.org/2001/XMLSchema" xmlns:xs="http://www.w3.org/2001/XMLSchema" xmlns:p="http://schemas.microsoft.com/office/2006/metadata/properties" xmlns:ns3="70f36e6f-414c-471d-84b5-13215c3dc439" targetNamespace="http://schemas.microsoft.com/office/2006/metadata/properties" ma:root="true" ma:fieldsID="5784411858b364131327423bd04f1e4d" ns3:_="">
     <xsd:import namespace="70f36e6f-414c-471d-84b5-13215c3dc439"/>
@@ -16646,15 +17228,6 @@
 </ct:contentTypeSchema>
 </file>
 
-<file path=customXml/item3.xml><?xml version="1.0" encoding="utf-8"?>
-<?mso-contentType ?>
-<FormTemplates xmlns="http://schemas.microsoft.com/sharepoint/v3/contenttype/forms">
-  <Display>DocumentLibraryForm</Display>
-  <Edit>DocumentLibraryForm</Edit>
-  <New>DocumentLibraryForm</New>
-</FormTemplates>
-</file>
-
 <file path=customXml/itemProps1.xml><?xml version="1.0" encoding="utf-8"?>
 <ds:datastoreItem xmlns:ds="http://schemas.openxmlformats.org/officeDocument/2006/customXml" ds:itemID="{68DC3ABE-7177-46C6-8529-0E88DDFC7CC0}">
   <ds:schemaRefs>
@@ -16672,6 +17245,14 @@
 </file>
 
 <file path=customXml/itemProps2.xml><?xml version="1.0" encoding="utf-8"?>
+<ds:datastoreItem xmlns:ds="http://schemas.openxmlformats.org/officeDocument/2006/customXml" ds:itemID="{ED6DA516-FA8A-4D35-B1B8-252B6FAF3C26}">
+  <ds:schemaRefs>
+    <ds:schemaRef ds:uri="http://schemas.microsoft.com/sharepoint/v3/contenttype/forms"/>
+  </ds:schemaRefs>
+</ds:datastoreItem>
+</file>
+
+<file path=customXml/itemProps3.xml><?xml version="1.0" encoding="utf-8"?>
 <ds:datastoreItem xmlns:ds="http://schemas.openxmlformats.org/officeDocument/2006/customXml" ds:itemID="{1C92976E-50B5-4EC0-A7BC-2DA8B11A5650}">
   <ds:schemaRefs>
     <ds:schemaRef ds:uri="http://schemas.microsoft.com/office/2006/metadata/contentType"/>
@@ -16687,12 +17268,4 @@
     <ds:schemaRef ds:uri="http://schemas.microsoft.com/internal/obd"/>
   </ds:schemaRefs>
 </ds:datastoreItem>
-</file>
-
-<file path=customXml/itemProps3.xml><?xml version="1.0" encoding="utf-8"?>
-<ds:datastoreItem xmlns:ds="http://schemas.openxmlformats.org/officeDocument/2006/customXml" ds:itemID="{ED6DA516-FA8A-4D35-B1B8-252B6FAF3C26}">
-  <ds:schemaRefs>
-    <ds:schemaRef ds:uri="http://schemas.microsoft.com/sharepoint/v3/contenttype/forms"/>
-  </ds:schemaRefs>
-</ds:datastoreItem>
 </file>